--- a/Lecture/Tidy Data 1/Tidy_Data_1_Lecture.pptx
+++ b/Lecture/Tidy Data 1/Tidy_Data_1_Lecture.pptx
@@ -311,7 +311,7 @@
               <a:pPr>
                 <a:defRPr/>
               </a:pPr>
-              <a:t>9/27/2018</a:t>
+              <a:t>9/19/2023</a:t>
             </a:fld>
             <a:endParaRPr lang="en-US" dirty="0"/>
           </a:p>
@@ -523,7 +523,7 @@
               <a:pPr>
                 <a:defRPr/>
               </a:pPr>
-              <a:t>9/27/2018</a:t>
+              <a:t>9/19/2023</a:t>
             </a:fld>
             <a:endParaRPr lang="en-US" dirty="0"/>
           </a:p>
@@ -1042,7 +1042,7 @@
               <a:pPr>
                 <a:defRPr/>
               </a:pPr>
-              <a:t>9/27/2018</a:t>
+              <a:t>9/19/2023</a:t>
             </a:fld>
             <a:endParaRPr lang="en-US" dirty="0"/>
           </a:p>
@@ -1232,7 +1232,7 @@
               <a:pPr>
                 <a:defRPr/>
               </a:pPr>
-              <a:t>9/27/2018</a:t>
+              <a:t>9/19/2023</a:t>
             </a:fld>
             <a:endParaRPr lang="en-US" dirty="0"/>
           </a:p>
@@ -1432,7 +1432,7 @@
               <a:pPr>
                 <a:defRPr/>
               </a:pPr>
-              <a:t>9/27/2018</a:t>
+              <a:t>9/19/2023</a:t>
             </a:fld>
             <a:endParaRPr lang="en-US" dirty="0"/>
           </a:p>
@@ -1700,7 +1700,7 @@
               <a:pPr>
                 <a:defRPr/>
               </a:pPr>
-              <a:t>9/27/2018</a:t>
+              <a:t>9/19/2023</a:t>
             </a:fld>
             <a:endParaRPr lang="en-US" dirty="0">
               <a:solidFill>
@@ -1914,7 +1914,7 @@
               <a:pPr>
                 <a:defRPr/>
               </a:pPr>
-              <a:t>9/27/2018</a:t>
+              <a:t>9/19/2023</a:t>
             </a:fld>
             <a:endParaRPr lang="en-US" dirty="0">
               <a:solidFill>
@@ -2205,7 +2205,7 @@
               <a:pPr>
                 <a:defRPr/>
               </a:pPr>
-              <a:t>9/27/2018</a:t>
+              <a:t>9/19/2023</a:t>
             </a:fld>
             <a:endParaRPr lang="en-US" dirty="0">
               <a:solidFill>
@@ -2536,7 +2536,7 @@
               <a:pPr>
                 <a:defRPr/>
               </a:pPr>
-              <a:t>9/27/2018</a:t>
+              <a:t>9/19/2023</a:t>
             </a:fld>
             <a:endParaRPr lang="en-US" dirty="0">
               <a:solidFill>
@@ -3001,7 +3001,7 @@
               <a:pPr>
                 <a:defRPr/>
               </a:pPr>
-              <a:t>9/27/2018</a:t>
+              <a:t>9/19/2023</a:t>
             </a:fld>
             <a:endParaRPr lang="en-US" dirty="0">
               <a:solidFill>
@@ -3164,7 +3164,7 @@
               <a:pPr>
                 <a:defRPr/>
               </a:pPr>
-              <a:t>9/27/2018</a:t>
+              <a:t>9/19/2023</a:t>
             </a:fld>
             <a:endParaRPr lang="en-US" dirty="0">
               <a:solidFill>
@@ -3305,7 +3305,7 @@
               <a:pPr>
                 <a:defRPr/>
               </a:pPr>
-              <a:t>9/27/2018</a:t>
+              <a:t>9/19/2023</a:t>
             </a:fld>
             <a:endParaRPr lang="en-US" dirty="0">
               <a:solidFill>
@@ -3626,7 +3626,7 @@
               <a:pPr>
                 <a:defRPr/>
               </a:pPr>
-              <a:t>9/27/2018</a:t>
+              <a:t>9/19/2023</a:t>
             </a:fld>
             <a:endParaRPr lang="en-US" dirty="0">
               <a:solidFill>
@@ -3834,7 +3834,7 @@
               <a:pPr>
                 <a:defRPr/>
               </a:pPr>
-              <a:t>9/27/2018</a:t>
+              <a:t>9/19/2023</a:t>
             </a:fld>
             <a:endParaRPr lang="en-US" dirty="0"/>
           </a:p>
@@ -4117,7 +4117,7 @@
               <a:pPr>
                 <a:defRPr/>
               </a:pPr>
-              <a:t>9/27/2018</a:t>
+              <a:t>9/19/2023</a:t>
             </a:fld>
             <a:endParaRPr lang="en-US" dirty="0">
               <a:solidFill>
@@ -4331,7 +4331,7 @@
               <a:pPr>
                 <a:defRPr/>
               </a:pPr>
-              <a:t>9/27/2018</a:t>
+              <a:t>9/19/2023</a:t>
             </a:fld>
             <a:endParaRPr lang="en-US" dirty="0">
               <a:solidFill>
@@ -4555,7 +4555,7 @@
               <a:pPr>
                 <a:defRPr/>
               </a:pPr>
-              <a:t>9/27/2018</a:t>
+              <a:t>9/19/2023</a:t>
             </a:fld>
             <a:endParaRPr lang="en-US" dirty="0">
               <a:solidFill>
@@ -4765,7 +4765,7 @@
               <a:pPr>
                 <a:defRPr/>
               </a:pPr>
-              <a:t>9/27/2018</a:t>
+              <a:t>9/19/2023</a:t>
             </a:fld>
             <a:endParaRPr lang="en-US" dirty="0">
               <a:solidFill>
@@ -5042,7 +5042,7 @@
               <a:pPr>
                 <a:defRPr/>
               </a:pPr>
-              <a:t>9/27/2018</a:t>
+              <a:t>9/19/2023</a:t>
             </a:fld>
             <a:endParaRPr lang="en-US" dirty="0"/>
           </a:p>
@@ -5349,7 +5349,7 @@
               <a:pPr>
                 <a:defRPr/>
               </a:pPr>
-              <a:t>9/27/2018</a:t>
+              <a:t>9/19/2023</a:t>
             </a:fld>
             <a:endParaRPr lang="en-US" dirty="0"/>
           </a:p>
@@ -5790,7 +5790,7 @@
               <a:pPr>
                 <a:defRPr/>
               </a:pPr>
-              <a:t>9/27/2018</a:t>
+              <a:t>9/19/2023</a:t>
             </a:fld>
             <a:endParaRPr lang="en-US" dirty="0"/>
           </a:p>
@@ -5929,7 +5929,7 @@
               <a:pPr>
                 <a:defRPr/>
               </a:pPr>
-              <a:t>9/27/2018</a:t>
+              <a:t>9/19/2023</a:t>
             </a:fld>
             <a:endParaRPr lang="en-US" dirty="0"/>
           </a:p>
@@ -6046,7 +6046,7 @@
               <a:pPr>
                 <a:defRPr/>
               </a:pPr>
-              <a:t>9/27/2018</a:t>
+              <a:t>9/19/2023</a:t>
             </a:fld>
             <a:endParaRPr lang="en-US" dirty="0"/>
           </a:p>
@@ -6343,7 +6343,7 @@
               <a:pPr>
                 <a:defRPr/>
               </a:pPr>
-              <a:t>9/27/2018</a:t>
+              <a:t>9/19/2023</a:t>
             </a:fld>
             <a:endParaRPr lang="en-US" dirty="0"/>
           </a:p>
@@ -6620,7 +6620,7 @@
               <a:pPr>
                 <a:defRPr/>
               </a:pPr>
-              <a:t>9/27/2018</a:t>
+              <a:t>9/19/2023</a:t>
             </a:fld>
             <a:endParaRPr lang="en-US" dirty="0"/>
           </a:p>
@@ -6877,7 +6877,7 @@
               <a:pPr>
                 <a:defRPr/>
               </a:pPr>
-              <a:t>9/27/2018</a:t>
+              <a:t>9/19/2023</a:t>
             </a:fld>
             <a:endParaRPr lang="en-US" dirty="0"/>
           </a:p>
@@ -7587,7 +7587,7 @@
               <a:pPr>
                 <a:defRPr/>
               </a:pPr>
-              <a:t>9/27/2018</a:t>
+              <a:t>9/19/2023</a:t>
             </a:fld>
             <a:endParaRPr lang="en-US" dirty="0">
               <a:solidFill>
@@ -12808,10 +12808,10 @@
       </p:pic>
       <p:pic>
         <p:nvPicPr>
-          <p:cNvPr id="4" name="Picture 3">
+          <p:cNvPr id="5" name="Picture 4">
             <a:extLst>
               <a:ext uri="{FF2B5EF4-FFF2-40B4-BE49-F238E27FC236}">
-                <a16:creationId xmlns:a16="http://schemas.microsoft.com/office/drawing/2014/main" id="{AB4CFAB7-FB5F-4BFB-A306-2BB09A2B4458}"/>
+                <a16:creationId xmlns:a16="http://schemas.microsoft.com/office/drawing/2014/main" id="{E6FF68A4-02A9-827B-8776-080380D8F281}"/>
               </a:ext>
             </a:extLst>
           </p:cNvPr>
@@ -12828,32 +12828,18 @@
         </p:blipFill>
         <p:spPr>
           <a:xfrm>
-            <a:off x="3665683" y="643467"/>
-            <a:ext cx="5334000" cy="6166255"/>
+            <a:off x="3581401" y="643467"/>
+            <a:ext cx="5427752" cy="4465122"/>
           </a:xfrm>
           <a:prstGeom prst="rect">
             <a:avLst/>
           </a:prstGeom>
-          <a:ln>
+          <a:ln w="28575">
             <a:solidFill>
               <a:srgbClr val="404040"/>
             </a:solidFill>
           </a:ln>
         </p:spPr>
-        <p:style>
-          <a:lnRef idx="2">
-            <a:schemeClr val="dk1"/>
-          </a:lnRef>
-          <a:fillRef idx="1">
-            <a:schemeClr val="lt1"/>
-          </a:fillRef>
-          <a:effectRef idx="0">
-            <a:schemeClr val="dk1"/>
-          </a:effectRef>
-          <a:fontRef idx="minor">
-            <a:schemeClr val="dk1"/>
-          </a:fontRef>
-        </p:style>
       </p:pic>
     </p:spTree>
     <p:custDataLst>
@@ -13083,7 +13069,7 @@
         <p:spPr>
           <a:xfrm>
             <a:off x="3810000" y="621916"/>
-            <a:ext cx="5029200" cy="1569660"/>
+            <a:ext cx="5029200" cy="1938992"/>
           </a:xfrm>
           <a:prstGeom prst="rect">
             <a:avLst/>
@@ -13106,7 +13092,7 @@
                   <a:srgbClr val="404040"/>
                 </a:solidFill>
               </a:rPr>
-              <a:t>Absolutely Silly</a:t>
+              <a:t>Uniting Does the Opposite of Separating </a:t>
             </a:r>
           </a:p>
           <a:p>
@@ -13131,17 +13117,17 @@
                   <a:srgbClr val="404040"/>
                 </a:solidFill>
               </a:rPr>
-              <a:t>Uniting Does the Opposite of Separating </a:t>
+              <a:t>Combine Information Prior to Presenting in Table</a:t>
             </a:r>
           </a:p>
         </p:txBody>
       </p:sp>
       <p:pic>
         <p:nvPicPr>
-          <p:cNvPr id="3" name="Picture 2">
+          <p:cNvPr id="5" name="Picture 4">
             <a:extLst>
               <a:ext uri="{FF2B5EF4-FFF2-40B4-BE49-F238E27FC236}">
-                <a16:creationId xmlns:a16="http://schemas.microsoft.com/office/drawing/2014/main" id="{63D4D4A1-0230-46B2-A6FA-DEEA440F10A6}"/>
+                <a16:creationId xmlns:a16="http://schemas.microsoft.com/office/drawing/2014/main" id="{773C4198-6B15-9734-9547-6AD44EECCA1D}"/>
               </a:ext>
             </a:extLst>
           </p:cNvPr>
@@ -13158,32 +13144,18 @@
         </p:blipFill>
         <p:spPr>
           <a:xfrm>
-            <a:off x="3649641" y="2227671"/>
-            <a:ext cx="5410200" cy="4555958"/>
+            <a:off x="3544994" y="2663767"/>
+            <a:ext cx="5519738" cy="3266652"/>
           </a:xfrm>
           <a:prstGeom prst="rect">
             <a:avLst/>
           </a:prstGeom>
-          <a:ln>
+          <a:ln w="28575">
             <a:solidFill>
               <a:srgbClr val="404040"/>
             </a:solidFill>
           </a:ln>
         </p:spPr>
-        <p:style>
-          <a:lnRef idx="2">
-            <a:schemeClr val="dk1"/>
-          </a:lnRef>
-          <a:fillRef idx="1">
-            <a:schemeClr val="lt1"/>
-          </a:fillRef>
-          <a:effectRef idx="0">
-            <a:schemeClr val="dk1"/>
-          </a:effectRef>
-          <a:fontRef idx="minor">
-            <a:schemeClr val="dk1"/>
-          </a:fontRef>
-        </p:style>
       </p:pic>
     </p:spTree>
     <p:custDataLst>
